--- a/formation_templates.pptx
+++ b/formation_templates.pptx
@@ -5,12 +5,12 @@
     <p:sldMasterId id="2147483660" r:id="rId1"/>
   </p:sldMasterIdLst>
   <p:sldIdLst>
-    <p:sldId id="258" r:id="rId2"/>
-    <p:sldId id="264" r:id="rId3"/>
-    <p:sldId id="263" r:id="rId4"/>
-    <p:sldId id="265" r:id="rId5"/>
-    <p:sldId id="266" r:id="rId6"/>
-    <p:sldId id="267" r:id="rId7"/>
+    <p:sldId id="263" r:id="rId2"/>
+    <p:sldId id="265" r:id="rId3"/>
+    <p:sldId id="266" r:id="rId4"/>
+    <p:sldId id="267" r:id="rId5"/>
+    <p:sldId id="268" r:id="rId6"/>
+    <p:sldId id="269" r:id="rId7"/>
   </p:sldIdLst>
   <p:sldSz cx="9144000" cy="6858000" type="screen4x3"/>
   <p:notesSz cx="6858000" cy="9144000"/>
@@ -3075,7 +3075,7 @@
         </p:nvSpPr>
         <p:spPr>
           <a:xfrm>
-            <a:off x="2521345" y="5666016"/>
+            <a:off x="2583489" y="5710348"/>
             <a:ext cx="265265" cy="220540"/>
           </a:xfrm>
           <a:prstGeom prst="ellipse">
@@ -3124,7 +3124,7 @@
         </p:nvSpPr>
         <p:spPr>
           <a:xfrm>
-            <a:off x="7775802" y="5467068"/>
+            <a:off x="7678148" y="5696729"/>
             <a:ext cx="265265" cy="220540"/>
           </a:xfrm>
           <a:prstGeom prst="ellipse">
@@ -3173,7 +3173,7 @@
         </p:nvSpPr>
         <p:spPr>
           <a:xfrm>
-            <a:off x="6461196" y="5657586"/>
+            <a:off x="5546980" y="5456272"/>
             <a:ext cx="265265" cy="220540"/>
           </a:xfrm>
           <a:prstGeom prst="ellipse">
@@ -3208,10 +3208,57 @@
       </p:sp>
       <p:sp>
         <p:nvSpPr>
-          <p:cNvPr id="26" name="Rectangle 25">
-            <a:extLst>
-              <a:ext uri="{FF2B5EF4-FFF2-40B4-BE49-F238E27FC236}">
-                <a16:creationId xmlns:a16="http://schemas.microsoft.com/office/drawing/2014/main" id="{DF9AD3B9-5DF6-4174-A386-DA0894B2250B}"/>
+          <p:cNvPr id="2" name="TextBox 1">
+            <a:extLst>
+              <a:ext uri="{FF2B5EF4-FFF2-40B4-BE49-F238E27FC236}">
+                <a16:creationId xmlns:a16="http://schemas.microsoft.com/office/drawing/2014/main" id="{2724C142-E268-4034-AD0E-41DD00608D6F}"/>
+              </a:ext>
+            </a:extLst>
+          </p:cNvPr>
+          <p:cNvSpPr txBox="1"/>
+          <p:nvPr/>
+        </p:nvSpPr>
+        <p:spPr>
+          <a:xfrm>
+            <a:off x="372862" y="310718"/>
+            <a:ext cx="1997085" cy="369332"/>
+          </a:xfrm>
+          <a:prstGeom prst="rect">
+            <a:avLst/>
+          </a:prstGeom>
+          <a:noFill/>
+        </p:spPr>
+        <p:txBody>
+          <a:bodyPr wrap="none" rtlCol="0">
+            <a:spAutoFit/>
+          </a:bodyPr>
+          <a:lstStyle/>
+          <a:p>
+            <a:r>
+              <a:rPr lang="en-US" dirty="0"/>
+              <a:t>Name</a:t>
+            </a:r>
+            <a:r>
+              <a:rPr lang="en-US"/>
+              <a:t>=Pro-Twin </a:t>
+            </a:r>
+            <a:r>
+              <a:rPr lang="en-US" dirty="0" err="1"/>
+              <a:t>Rt</a:t>
+            </a:r>
+            <a:r>
+              <a:rPr lang="en-US" dirty="0"/>
+              <a:t> </a:t>
+            </a:r>
+          </a:p>
+        </p:txBody>
+      </p:sp>
+      <p:sp>
+        <p:nvSpPr>
+          <p:cNvPr id="13" name="Rectangle 12">
+            <a:extLst>
+              <a:ext uri="{FF2B5EF4-FFF2-40B4-BE49-F238E27FC236}">
+                <a16:creationId xmlns:a16="http://schemas.microsoft.com/office/drawing/2014/main" id="{94E0465F-6FEF-4945-8D47-72F7EACB5930}"/>
               </a:ext>
             </a:extLst>
           </p:cNvPr>
@@ -3259,10 +3306,10 @@
       </p:sp>
       <p:sp>
         <p:nvSpPr>
-          <p:cNvPr id="27" name="Oval 26">
-            <a:extLst>
-              <a:ext uri="{FF2B5EF4-FFF2-40B4-BE49-F238E27FC236}">
-                <a16:creationId xmlns:a16="http://schemas.microsoft.com/office/drawing/2014/main" id="{88D7B244-75E9-48D5-BEEA-736916B5A913}"/>
+          <p:cNvPr id="15" name="Oval 14">
+            <a:extLst>
+              <a:ext uri="{FF2B5EF4-FFF2-40B4-BE49-F238E27FC236}">
+                <a16:creationId xmlns:a16="http://schemas.microsoft.com/office/drawing/2014/main" id="{4E9F9E11-EDA0-4817-B198-AB2CBC09AC06}"/>
               </a:ext>
             </a:extLst>
           </p:cNvPr>
@@ -3310,10 +3357,10 @@
       </p:sp>
       <p:sp>
         <p:nvSpPr>
-          <p:cNvPr id="28" name="Oval 27">
-            <a:extLst>
-              <a:ext uri="{FF2B5EF4-FFF2-40B4-BE49-F238E27FC236}">
-                <a16:creationId xmlns:a16="http://schemas.microsoft.com/office/drawing/2014/main" id="{B81E3ECA-DF12-4BE1-946F-20ACAD68B47C}"/>
+          <p:cNvPr id="16" name="Oval 15">
+            <a:extLst>
+              <a:ext uri="{FF2B5EF4-FFF2-40B4-BE49-F238E27FC236}">
+                <a16:creationId xmlns:a16="http://schemas.microsoft.com/office/drawing/2014/main" id="{D0316B13-E73A-4A5D-BBF9-7456215FCA75}"/>
               </a:ext>
             </a:extLst>
           </p:cNvPr>
@@ -3361,10 +3408,10 @@
       </p:sp>
       <p:sp>
         <p:nvSpPr>
-          <p:cNvPr id="29" name="Oval 28">
-            <a:extLst>
-              <a:ext uri="{FF2B5EF4-FFF2-40B4-BE49-F238E27FC236}">
-                <a16:creationId xmlns:a16="http://schemas.microsoft.com/office/drawing/2014/main" id="{FE23A0A3-AA64-43A5-9BE2-7F9905963D44}"/>
+          <p:cNvPr id="17" name="Oval 16">
+            <a:extLst>
+              <a:ext uri="{FF2B5EF4-FFF2-40B4-BE49-F238E27FC236}">
+                <a16:creationId xmlns:a16="http://schemas.microsoft.com/office/drawing/2014/main" id="{97B23F76-9199-4ECB-B345-2A7A4F36D82A}"/>
               </a:ext>
             </a:extLst>
           </p:cNvPr>
@@ -3412,10 +3459,10 @@
       </p:sp>
       <p:sp>
         <p:nvSpPr>
-          <p:cNvPr id="30" name="Oval 29">
-            <a:extLst>
-              <a:ext uri="{FF2B5EF4-FFF2-40B4-BE49-F238E27FC236}">
-                <a16:creationId xmlns:a16="http://schemas.microsoft.com/office/drawing/2014/main" id="{EA69FC7C-A9CA-4873-90B6-D4F2309446D2}"/>
+          <p:cNvPr id="18" name="Oval 17">
+            <a:extLst>
+              <a:ext uri="{FF2B5EF4-FFF2-40B4-BE49-F238E27FC236}">
+                <a16:creationId xmlns:a16="http://schemas.microsoft.com/office/drawing/2014/main" id="{E021BE7D-9D63-4F6C-9946-6EF2998FBD8A}"/>
               </a:ext>
             </a:extLst>
           </p:cNvPr>
@@ -3463,10 +3510,10 @@
       </p:sp>
       <p:sp>
         <p:nvSpPr>
-          <p:cNvPr id="2" name="TextBox 1">
-            <a:extLst>
-              <a:ext uri="{FF2B5EF4-FFF2-40B4-BE49-F238E27FC236}">
-                <a16:creationId xmlns:a16="http://schemas.microsoft.com/office/drawing/2014/main" id="{2724C142-E268-4034-AD0E-41DD00608D6F}"/>
+          <p:cNvPr id="19" name="TextBox 18">
+            <a:extLst>
+              <a:ext uri="{FF2B5EF4-FFF2-40B4-BE49-F238E27FC236}">
+                <a16:creationId xmlns:a16="http://schemas.microsoft.com/office/drawing/2014/main" id="{016367AA-98C8-4E79-93A5-25320BAAD598}"/>
               </a:ext>
             </a:extLst>
           </p:cNvPr>
@@ -3475,8 +3522,8 @@
         </p:nvSpPr>
         <p:spPr>
           <a:xfrm>
-            <a:off x="372862" y="310718"/>
-            <a:ext cx="1930337" cy="369332"/>
+            <a:off x="3434583" y="310718"/>
+            <a:ext cx="1104982" cy="369332"/>
           </a:xfrm>
           <a:prstGeom prst="rect">
             <a:avLst/>
@@ -3491,50 +3538,7 @@
           <a:p>
             <a:r>
               <a:rPr lang="en-US" dirty="0"/>
-              <a:t>Name=Ace-Ace </a:t>
-            </a:r>
-            <a:r>
-              <a:rPr lang="en-US" dirty="0" err="1"/>
-              <a:t>Rt</a:t>
-            </a:r>
-            <a:r>
-              <a:rPr lang="en-US" dirty="0"/>
-              <a:t> </a:t>
-            </a:r>
-          </a:p>
-        </p:txBody>
-      </p:sp>
-      <p:sp>
-        <p:nvSpPr>
-          <p:cNvPr id="13" name="TextBox 12">
-            <a:extLst>
-              <a:ext uri="{FF2B5EF4-FFF2-40B4-BE49-F238E27FC236}">
-                <a16:creationId xmlns:a16="http://schemas.microsoft.com/office/drawing/2014/main" id="{944452DE-3F40-4392-90D2-562108642788}"/>
-              </a:ext>
-            </a:extLst>
-          </p:cNvPr>
-          <p:cNvSpPr txBox="1"/>
-          <p:nvPr/>
-        </p:nvSpPr>
-        <p:spPr>
-          <a:xfrm>
-            <a:off x="3434583" y="310718"/>
-            <a:ext cx="1368836" cy="369332"/>
-          </a:xfrm>
-          <a:prstGeom prst="rect">
-            <a:avLst/>
-          </a:prstGeom>
-          <a:noFill/>
-        </p:spPr>
-        <p:txBody>
-          <a:bodyPr wrap="none" rtlCol="0">
-            <a:spAutoFit/>
-          </a:bodyPr>
-          <a:lstStyle/>
-          <a:p>
-            <a:r>
-              <a:rPr lang="en-US" dirty="0"/>
-              <a:t>Core=Five </a:t>
+              <a:t>Core=Y </a:t>
             </a:r>
             <a:r>
               <a:rPr lang="en-US" dirty="0" err="1"/>
@@ -3547,7 +3551,7 @@
     </p:spTree>
     <p:extLst>
       <p:ext uri="{BB962C8B-B14F-4D97-AF65-F5344CB8AC3E}">
-        <p14:creationId xmlns:p14="http://schemas.microsoft.com/office/powerpoint/2010/main" val="3433925216"/>
+        <p14:creationId xmlns:p14="http://schemas.microsoft.com/office/powerpoint/2010/main" val="4190934456"/>
       </p:ext>
     </p:extLst>
   </p:cSld>
@@ -3620,7 +3624,7 @@
         </p:nvSpPr>
         <p:spPr>
           <a:xfrm>
-            <a:off x="1230623" y="5437046"/>
+            <a:off x="7678148" y="5456272"/>
             <a:ext cx="265265" cy="220540"/>
           </a:xfrm>
           <a:prstGeom prst="ellipse">
@@ -3648,7 +3652,7 @@
             <a:pPr algn="ctr"/>
             <a:r>
               <a:rPr lang="en-US" dirty="0"/>
-              <a:t>Z</a:t>
+              <a:t>X</a:t>
             </a:r>
           </a:p>
         </p:txBody>
@@ -3669,7 +3673,7 @@
         </p:nvSpPr>
         <p:spPr>
           <a:xfrm>
-            <a:off x="2521345" y="5666016"/>
+            <a:off x="6484929" y="5715987"/>
             <a:ext cx="265265" cy="220540"/>
           </a:xfrm>
           <a:prstGeom prst="ellipse">
@@ -3697,7 +3701,7 @@
             <a:pPr algn="ctr"/>
             <a:r>
               <a:rPr lang="en-US" dirty="0"/>
-              <a:t>Y</a:t>
+              <a:t>B</a:t>
             </a:r>
           </a:p>
         </p:txBody>
@@ -3718,7 +3722,7 @@
         </p:nvSpPr>
         <p:spPr>
           <a:xfrm>
-            <a:off x="7775802" y="5467068"/>
+            <a:off x="1460228" y="5720564"/>
             <a:ext cx="265265" cy="220540"/>
           </a:xfrm>
           <a:prstGeom prst="ellipse">
@@ -3746,7 +3750,7 @@
             <a:pPr algn="ctr"/>
             <a:r>
               <a:rPr lang="en-US" dirty="0"/>
-              <a:t>X</a:t>
+              <a:t>Z</a:t>
             </a:r>
           </a:p>
         </p:txBody>
@@ -3767,7 +3771,7 @@
         </p:nvSpPr>
         <p:spPr>
           <a:xfrm>
-            <a:off x="6461196" y="5657586"/>
+            <a:off x="3356403" y="5489808"/>
             <a:ext cx="265265" cy="220540"/>
           </a:xfrm>
           <a:prstGeom prst="ellipse">
@@ -3795,7 +3799,7 @@
             <a:pPr algn="ctr"/>
             <a:r>
               <a:rPr lang="en-US" dirty="0"/>
-              <a:t>B</a:t>
+              <a:t>Y</a:t>
             </a:r>
           </a:p>
         </p:txBody>
@@ -3815,7 +3819,7 @@
         <p:spPr>
           <a:xfrm>
             <a:off x="372862" y="310718"/>
-            <a:ext cx="1898790" cy="369332"/>
+            <a:ext cx="1965538" cy="369332"/>
           </a:xfrm>
           <a:prstGeom prst="rect">
             <a:avLst/>
@@ -3830,7 +3834,7 @@
           <a:p>
             <a:r>
               <a:rPr lang="en-US" dirty="0"/>
-              <a:t>Name=Ace-Ace Lt </a:t>
+              <a:t>Name=Pro-Twin Lt </a:t>
             </a:r>
           </a:p>
         </p:txBody>
@@ -3840,7 +3844,7 @@
           <p:cNvPr id="13" name="Rectangle 12">
             <a:extLst>
               <a:ext uri="{FF2B5EF4-FFF2-40B4-BE49-F238E27FC236}">
-                <a16:creationId xmlns:a16="http://schemas.microsoft.com/office/drawing/2014/main" id="{2E47413B-5D85-4E39-AEB1-20CA500667B8}"/>
+                <a16:creationId xmlns:a16="http://schemas.microsoft.com/office/drawing/2014/main" id="{E358240A-882C-4F4E-B8FE-57928E034093}"/>
               </a:ext>
             </a:extLst>
           </p:cNvPr>
@@ -3891,7 +3895,7 @@
           <p:cNvPr id="15" name="Oval 14">
             <a:extLst>
               <a:ext uri="{FF2B5EF4-FFF2-40B4-BE49-F238E27FC236}">
-                <a16:creationId xmlns:a16="http://schemas.microsoft.com/office/drawing/2014/main" id="{FC7AB492-E275-4D29-AC31-1F3834B60BC7}"/>
+                <a16:creationId xmlns:a16="http://schemas.microsoft.com/office/drawing/2014/main" id="{9A64FA61-E12E-45E6-AB18-629E34763121}"/>
               </a:ext>
             </a:extLst>
           </p:cNvPr>
@@ -3942,7 +3946,7 @@
           <p:cNvPr id="16" name="Oval 15">
             <a:extLst>
               <a:ext uri="{FF2B5EF4-FFF2-40B4-BE49-F238E27FC236}">
-                <a16:creationId xmlns:a16="http://schemas.microsoft.com/office/drawing/2014/main" id="{4D7CD5A6-B785-441D-B0E3-A185B55EE175}"/>
+                <a16:creationId xmlns:a16="http://schemas.microsoft.com/office/drawing/2014/main" id="{C182DED0-7A19-4906-851D-9BC31BAB2B14}"/>
               </a:ext>
             </a:extLst>
           </p:cNvPr>
@@ -3993,7 +3997,7 @@
           <p:cNvPr id="17" name="Oval 16">
             <a:extLst>
               <a:ext uri="{FF2B5EF4-FFF2-40B4-BE49-F238E27FC236}">
-                <a16:creationId xmlns:a16="http://schemas.microsoft.com/office/drawing/2014/main" id="{C700F043-13CD-4F84-ADFD-4067ED4EA6DB}"/>
+                <a16:creationId xmlns:a16="http://schemas.microsoft.com/office/drawing/2014/main" id="{48D98E29-5CE6-4F12-8DEB-9932A839F204}"/>
               </a:ext>
             </a:extLst>
           </p:cNvPr>
@@ -4044,7 +4048,7 @@
           <p:cNvPr id="18" name="Oval 17">
             <a:extLst>
               <a:ext uri="{FF2B5EF4-FFF2-40B4-BE49-F238E27FC236}">
-                <a16:creationId xmlns:a16="http://schemas.microsoft.com/office/drawing/2014/main" id="{1697DA60-F285-47DE-B72C-F5D7C9B6B982}"/>
+                <a16:creationId xmlns:a16="http://schemas.microsoft.com/office/drawing/2014/main" id="{290DC282-77A1-45C3-9A86-0F2D1404EC95}"/>
               </a:ext>
             </a:extLst>
           </p:cNvPr>
@@ -4095,7 +4099,7 @@
           <p:cNvPr id="19" name="TextBox 18">
             <a:extLst>
               <a:ext uri="{FF2B5EF4-FFF2-40B4-BE49-F238E27FC236}">
-                <a16:creationId xmlns:a16="http://schemas.microsoft.com/office/drawing/2014/main" id="{C6AA8950-A15E-477D-81B2-4115B22ED8BB}"/>
+                <a16:creationId xmlns:a16="http://schemas.microsoft.com/office/drawing/2014/main" id="{E404F53B-ED28-47E9-A9DC-D64CEAF301C4}"/>
               </a:ext>
             </a:extLst>
           </p:cNvPr>
@@ -4105,7 +4109,7 @@
         <p:spPr>
           <a:xfrm>
             <a:off x="3434583" y="310718"/>
-            <a:ext cx="1337289" cy="369332"/>
+            <a:ext cx="1073435" cy="369332"/>
           </a:xfrm>
           <a:prstGeom prst="rect">
             <a:avLst/>
@@ -4120,7 +4124,7 @@
           <a:p>
             <a:r>
               <a:rPr lang="en-US" dirty="0"/>
-              <a:t>Core=Five Lt</a:t>
+              <a:t>Core=Y Lt</a:t>
             </a:r>
           </a:p>
         </p:txBody>
@@ -4128,7 +4132,7 @@
     </p:spTree>
     <p:extLst>
       <p:ext uri="{BB962C8B-B14F-4D97-AF65-F5344CB8AC3E}">
-        <p14:creationId xmlns:p14="http://schemas.microsoft.com/office/powerpoint/2010/main" val="2324467409"/>
+        <p14:creationId xmlns:p14="http://schemas.microsoft.com/office/powerpoint/2010/main" val="3735365928"/>
       </p:ext>
     </p:extLst>
   </p:cSld>
@@ -4201,7 +4205,7 @@
         </p:nvSpPr>
         <p:spPr>
           <a:xfrm>
-            <a:off x="1230623" y="5437046"/>
+            <a:off x="1467231" y="5481417"/>
             <a:ext cx="265265" cy="220540"/>
           </a:xfrm>
           <a:prstGeom prst="ellipse">
@@ -4236,10 +4240,10 @@
       </p:sp>
       <p:sp>
         <p:nvSpPr>
-          <p:cNvPr id="23" name="Oval 22">
-            <a:extLst>
-              <a:ext uri="{FF2B5EF4-FFF2-40B4-BE49-F238E27FC236}">
-                <a16:creationId xmlns:a16="http://schemas.microsoft.com/office/drawing/2014/main" id="{3589AA6A-9363-405E-97E8-AD5C226A53D2}"/>
+          <p:cNvPr id="24" name="Oval 23">
+            <a:extLst>
+              <a:ext uri="{FF2B5EF4-FFF2-40B4-BE49-F238E27FC236}">
+                <a16:creationId xmlns:a16="http://schemas.microsoft.com/office/drawing/2014/main" id="{B889BA8C-0E26-4F3F-8CF7-B18F6ADC2A52}"/>
               </a:ext>
             </a:extLst>
           </p:cNvPr>
@@ -4250,7 +4254,7 @@
         </p:nvSpPr>
         <p:spPr>
           <a:xfrm>
-            <a:off x="2583489" y="5710348"/>
+            <a:off x="5899881" y="5701957"/>
             <a:ext cx="265265" cy="220540"/>
           </a:xfrm>
           <a:prstGeom prst="ellipse">
@@ -4278,17 +4282,17 @@
             <a:pPr algn="ctr"/>
             <a:r>
               <a:rPr lang="en-US" dirty="0"/>
-              <a:t>B</a:t>
-            </a:r>
-          </a:p>
-        </p:txBody>
-      </p:sp>
-      <p:sp>
-        <p:nvSpPr>
-          <p:cNvPr id="24" name="Oval 23">
-            <a:extLst>
-              <a:ext uri="{FF2B5EF4-FFF2-40B4-BE49-F238E27FC236}">
-                <a16:creationId xmlns:a16="http://schemas.microsoft.com/office/drawing/2014/main" id="{B889BA8C-0E26-4F3F-8CF7-B18F6ADC2A52}"/>
+              <a:t>Z</a:t>
+            </a:r>
+          </a:p>
+        </p:txBody>
+      </p:sp>
+      <p:sp>
+        <p:nvSpPr>
+          <p:cNvPr id="25" name="Oval 24">
+            <a:extLst>
+              <a:ext uri="{FF2B5EF4-FFF2-40B4-BE49-F238E27FC236}">
+                <a16:creationId xmlns:a16="http://schemas.microsoft.com/office/drawing/2014/main" id="{723C6B51-625E-462A-BBB1-3FC3B29BB96E}"/>
               </a:ext>
             </a:extLst>
           </p:cNvPr>
@@ -4299,7 +4303,7 @@
         </p:nvSpPr>
         <p:spPr>
           <a:xfrm>
-            <a:off x="7678148" y="5696729"/>
+            <a:off x="5543816" y="5464538"/>
             <a:ext cx="265265" cy="220540"/>
           </a:xfrm>
           <a:prstGeom prst="ellipse">
@@ -4327,55 +4331,6 @@
             <a:pPr algn="ctr"/>
             <a:r>
               <a:rPr lang="en-US" dirty="0"/>
-              <a:t>Z</a:t>
-            </a:r>
-          </a:p>
-        </p:txBody>
-      </p:sp>
-      <p:sp>
-        <p:nvSpPr>
-          <p:cNvPr id="25" name="Oval 24">
-            <a:extLst>
-              <a:ext uri="{FF2B5EF4-FFF2-40B4-BE49-F238E27FC236}">
-                <a16:creationId xmlns:a16="http://schemas.microsoft.com/office/drawing/2014/main" id="{723C6B51-625E-462A-BBB1-3FC3B29BB96E}"/>
-              </a:ext>
-            </a:extLst>
-          </p:cNvPr>
-          <p:cNvSpPr>
-            <a:spLocks noChangeAspect="1"/>
-          </p:cNvSpPr>
-          <p:nvPr/>
-        </p:nvSpPr>
-        <p:spPr>
-          <a:xfrm>
-            <a:off x="5546980" y="5456272"/>
-            <a:ext cx="265265" cy="220540"/>
-          </a:xfrm>
-          <a:prstGeom prst="ellipse">
-            <a:avLst/>
-          </a:prstGeom>
-        </p:spPr>
-        <p:style>
-          <a:lnRef idx="2">
-            <a:schemeClr val="dk1"/>
-          </a:lnRef>
-          <a:fillRef idx="1">
-            <a:schemeClr val="lt1"/>
-          </a:fillRef>
-          <a:effectRef idx="0">
-            <a:schemeClr val="dk1"/>
-          </a:effectRef>
-          <a:fontRef idx="minor">
-            <a:schemeClr val="dk1"/>
-          </a:fontRef>
-        </p:style>
-        <p:txBody>
-          <a:bodyPr rtlCol="0" anchor="ctr"/>
-          <a:lstStyle/>
-          <a:p>
-            <a:pPr algn="ctr"/>
-            <a:r>
-              <a:rPr lang="en-US" dirty="0"/>
               <a:t>Y</a:t>
             </a:r>
           </a:p>
@@ -4396,7 +4351,7 @@
         <p:spPr>
           <a:xfrm>
             <a:off x="372862" y="310718"/>
-            <a:ext cx="1997085" cy="369332"/>
+            <a:ext cx="2454005" cy="369332"/>
           </a:xfrm>
           <a:prstGeom prst="rect">
             <a:avLst/>
@@ -4411,29 +4366,22 @@
           <a:p>
             <a:r>
               <a:rPr lang="en-US" dirty="0"/>
-              <a:t>Name</a:t>
-            </a:r>
-            <a:r>
-              <a:rPr lang="en-US"/>
-              <a:t>=Pro-Twin </a:t>
+              <a:t>Name=Pro Wing-Split </a:t>
             </a:r>
             <a:r>
               <a:rPr lang="en-US" dirty="0" err="1"/>
               <a:t>Rt</a:t>
             </a:r>
-            <a:r>
-              <a:rPr lang="en-US" dirty="0"/>
-              <a:t> </a:t>
-            </a:r>
-          </a:p>
-        </p:txBody>
-      </p:sp>
-      <p:sp>
-        <p:nvSpPr>
-          <p:cNvPr id="13" name="Rectangle 12">
-            <a:extLst>
-              <a:ext uri="{FF2B5EF4-FFF2-40B4-BE49-F238E27FC236}">
-                <a16:creationId xmlns:a16="http://schemas.microsoft.com/office/drawing/2014/main" id="{94E0465F-6FEF-4945-8D47-72F7EACB5930}"/>
+            <a:endParaRPr lang="en-US" dirty="0"/>
+          </a:p>
+        </p:txBody>
+      </p:sp>
+      <p:sp>
+        <p:nvSpPr>
+          <p:cNvPr id="12" name="Rectangle 11">
+            <a:extLst>
+              <a:ext uri="{FF2B5EF4-FFF2-40B4-BE49-F238E27FC236}">
+                <a16:creationId xmlns:a16="http://schemas.microsoft.com/office/drawing/2014/main" id="{6270072A-F89E-4CD5-A8FB-AF4FE8FCC619}"/>
               </a:ext>
             </a:extLst>
           </p:cNvPr>
@@ -4481,10 +4429,10 @@
       </p:sp>
       <p:sp>
         <p:nvSpPr>
-          <p:cNvPr id="15" name="Oval 14">
-            <a:extLst>
-              <a:ext uri="{FF2B5EF4-FFF2-40B4-BE49-F238E27FC236}">
-                <a16:creationId xmlns:a16="http://schemas.microsoft.com/office/drawing/2014/main" id="{4E9F9E11-EDA0-4817-B198-AB2CBC09AC06}"/>
+          <p:cNvPr id="13" name="Oval 12">
+            <a:extLst>
+              <a:ext uri="{FF2B5EF4-FFF2-40B4-BE49-F238E27FC236}">
+                <a16:creationId xmlns:a16="http://schemas.microsoft.com/office/drawing/2014/main" id="{8CAAE89A-45FC-4186-B441-B5705053BFCF}"/>
               </a:ext>
             </a:extLst>
           </p:cNvPr>
@@ -4532,10 +4480,10 @@
       </p:sp>
       <p:sp>
         <p:nvSpPr>
-          <p:cNvPr id="16" name="Oval 15">
-            <a:extLst>
-              <a:ext uri="{FF2B5EF4-FFF2-40B4-BE49-F238E27FC236}">
-                <a16:creationId xmlns:a16="http://schemas.microsoft.com/office/drawing/2014/main" id="{D0316B13-E73A-4A5D-BBF9-7456215FCA75}"/>
+          <p:cNvPr id="15" name="Oval 14">
+            <a:extLst>
+              <a:ext uri="{FF2B5EF4-FFF2-40B4-BE49-F238E27FC236}">
+                <a16:creationId xmlns:a16="http://schemas.microsoft.com/office/drawing/2014/main" id="{A7F32577-16CF-40DB-932A-DD4EE6A5736E}"/>
               </a:ext>
             </a:extLst>
           </p:cNvPr>
@@ -4583,10 +4531,10 @@
       </p:sp>
       <p:sp>
         <p:nvSpPr>
-          <p:cNvPr id="17" name="Oval 16">
-            <a:extLst>
-              <a:ext uri="{FF2B5EF4-FFF2-40B4-BE49-F238E27FC236}">
-                <a16:creationId xmlns:a16="http://schemas.microsoft.com/office/drawing/2014/main" id="{97B23F76-9199-4ECB-B345-2A7A4F36D82A}"/>
+          <p:cNvPr id="16" name="Oval 15">
+            <a:extLst>
+              <a:ext uri="{FF2B5EF4-FFF2-40B4-BE49-F238E27FC236}">
+                <a16:creationId xmlns:a16="http://schemas.microsoft.com/office/drawing/2014/main" id="{2DD1F747-82E5-4AF2-AAE4-51E673D0FE7D}"/>
               </a:ext>
             </a:extLst>
           </p:cNvPr>
@@ -4634,10 +4582,10 @@
       </p:sp>
       <p:sp>
         <p:nvSpPr>
-          <p:cNvPr id="18" name="Oval 17">
-            <a:extLst>
-              <a:ext uri="{FF2B5EF4-FFF2-40B4-BE49-F238E27FC236}">
-                <a16:creationId xmlns:a16="http://schemas.microsoft.com/office/drawing/2014/main" id="{E021BE7D-9D63-4F6C-9946-6EF2998FBD8A}"/>
+          <p:cNvPr id="17" name="Oval 16">
+            <a:extLst>
+              <a:ext uri="{FF2B5EF4-FFF2-40B4-BE49-F238E27FC236}">
+                <a16:creationId xmlns:a16="http://schemas.microsoft.com/office/drawing/2014/main" id="{46CEC327-054C-4171-8D89-29FEF28FC086}"/>
               </a:ext>
             </a:extLst>
           </p:cNvPr>
@@ -4685,10 +4633,10 @@
       </p:sp>
       <p:sp>
         <p:nvSpPr>
-          <p:cNvPr id="19" name="TextBox 18">
-            <a:extLst>
-              <a:ext uri="{FF2B5EF4-FFF2-40B4-BE49-F238E27FC236}">
-                <a16:creationId xmlns:a16="http://schemas.microsoft.com/office/drawing/2014/main" id="{016367AA-98C8-4E79-93A5-25320BAAD598}"/>
+          <p:cNvPr id="18" name="TextBox 17">
+            <a:extLst>
+              <a:ext uri="{FF2B5EF4-FFF2-40B4-BE49-F238E27FC236}">
+                <a16:creationId xmlns:a16="http://schemas.microsoft.com/office/drawing/2014/main" id="{BDC35021-3257-4B9B-9738-C8CB0AB7A737}"/>
               </a:ext>
             </a:extLst>
           </p:cNvPr>
@@ -4698,7 +4646,7 @@
         <p:spPr>
           <a:xfrm>
             <a:off x="3434583" y="310718"/>
-            <a:ext cx="1104982" cy="369332"/>
+            <a:ext cx="1646797" cy="369332"/>
           </a:xfrm>
           <a:prstGeom prst="rect">
             <a:avLst/>
@@ -4713,7 +4661,7 @@
           <a:p>
             <a:r>
               <a:rPr lang="en-US" dirty="0"/>
-              <a:t>Core=Y </a:t>
+              <a:t>Core=Y Wing </a:t>
             </a:r>
             <a:r>
               <a:rPr lang="en-US" dirty="0" err="1"/>
@@ -4726,7 +4674,7 @@
     </p:spTree>
     <p:extLst>
       <p:ext uri="{BB962C8B-B14F-4D97-AF65-F5344CB8AC3E}">
-        <p14:creationId xmlns:p14="http://schemas.microsoft.com/office/powerpoint/2010/main" val="4190934456"/>
+        <p14:creationId xmlns:p14="http://schemas.microsoft.com/office/powerpoint/2010/main" val="2842979407"/>
       </p:ext>
     </p:extLst>
   </p:cSld>
@@ -4834,10 +4782,10 @@
       </p:sp>
       <p:sp>
         <p:nvSpPr>
-          <p:cNvPr id="23" name="Oval 22">
-            <a:extLst>
-              <a:ext uri="{FF2B5EF4-FFF2-40B4-BE49-F238E27FC236}">
-                <a16:creationId xmlns:a16="http://schemas.microsoft.com/office/drawing/2014/main" id="{3589AA6A-9363-405E-97E8-AD5C226A53D2}"/>
+          <p:cNvPr id="24" name="Oval 23">
+            <a:extLst>
+              <a:ext uri="{FF2B5EF4-FFF2-40B4-BE49-F238E27FC236}">
+                <a16:creationId xmlns:a16="http://schemas.microsoft.com/office/drawing/2014/main" id="{B889BA8C-0E26-4F3F-8CF7-B18F6ADC2A52}"/>
               </a:ext>
             </a:extLst>
           </p:cNvPr>
@@ -4848,7 +4796,7 @@
         </p:nvSpPr>
         <p:spPr>
           <a:xfrm>
-            <a:off x="6484929" y="5715987"/>
+            <a:off x="3084084" y="5753960"/>
             <a:ext cx="265265" cy="220540"/>
           </a:xfrm>
           <a:prstGeom prst="ellipse">
@@ -4876,17 +4824,17 @@
             <a:pPr algn="ctr"/>
             <a:r>
               <a:rPr lang="en-US" dirty="0"/>
-              <a:t>B</a:t>
-            </a:r>
-          </a:p>
-        </p:txBody>
-      </p:sp>
-      <p:sp>
-        <p:nvSpPr>
-          <p:cNvPr id="24" name="Oval 23">
-            <a:extLst>
-              <a:ext uri="{FF2B5EF4-FFF2-40B4-BE49-F238E27FC236}">
-                <a16:creationId xmlns:a16="http://schemas.microsoft.com/office/drawing/2014/main" id="{B889BA8C-0E26-4F3F-8CF7-B18F6ADC2A52}"/>
+              <a:t>Z</a:t>
+            </a:r>
+          </a:p>
+        </p:txBody>
+      </p:sp>
+      <p:sp>
+        <p:nvSpPr>
+          <p:cNvPr id="25" name="Oval 24">
+            <a:extLst>
+              <a:ext uri="{FF2B5EF4-FFF2-40B4-BE49-F238E27FC236}">
+                <a16:creationId xmlns:a16="http://schemas.microsoft.com/office/drawing/2014/main" id="{723C6B51-625E-462A-BBB1-3FC3B29BB96E}"/>
               </a:ext>
             </a:extLst>
           </p:cNvPr>
@@ -4897,7 +4845,7 @@
         </p:nvSpPr>
         <p:spPr>
           <a:xfrm>
-            <a:off x="1460228" y="5720564"/>
+            <a:off x="3356403" y="5489808"/>
             <a:ext cx="265265" cy="220540"/>
           </a:xfrm>
           <a:prstGeom prst="ellipse">
@@ -4925,55 +4873,6 @@
             <a:pPr algn="ctr"/>
             <a:r>
               <a:rPr lang="en-US" dirty="0"/>
-              <a:t>Z</a:t>
-            </a:r>
-          </a:p>
-        </p:txBody>
-      </p:sp>
-      <p:sp>
-        <p:nvSpPr>
-          <p:cNvPr id="25" name="Oval 24">
-            <a:extLst>
-              <a:ext uri="{FF2B5EF4-FFF2-40B4-BE49-F238E27FC236}">
-                <a16:creationId xmlns:a16="http://schemas.microsoft.com/office/drawing/2014/main" id="{723C6B51-625E-462A-BBB1-3FC3B29BB96E}"/>
-              </a:ext>
-            </a:extLst>
-          </p:cNvPr>
-          <p:cNvSpPr>
-            <a:spLocks noChangeAspect="1"/>
-          </p:cNvSpPr>
-          <p:nvPr/>
-        </p:nvSpPr>
-        <p:spPr>
-          <a:xfrm>
-            <a:off x="3356403" y="5489808"/>
-            <a:ext cx="265265" cy="220540"/>
-          </a:xfrm>
-          <a:prstGeom prst="ellipse">
-            <a:avLst/>
-          </a:prstGeom>
-        </p:spPr>
-        <p:style>
-          <a:lnRef idx="2">
-            <a:schemeClr val="dk1"/>
-          </a:lnRef>
-          <a:fillRef idx="1">
-            <a:schemeClr val="lt1"/>
-          </a:fillRef>
-          <a:effectRef idx="0">
-            <a:schemeClr val="dk1"/>
-          </a:effectRef>
-          <a:fontRef idx="minor">
-            <a:schemeClr val="dk1"/>
-          </a:fontRef>
-        </p:style>
-        <p:txBody>
-          <a:bodyPr rtlCol="0" anchor="ctr"/>
-          <a:lstStyle/>
-          <a:p>
-            <a:pPr algn="ctr"/>
-            <a:r>
-              <a:rPr lang="en-US" dirty="0"/>
               <a:t>Y</a:t>
             </a:r>
           </a:p>
@@ -4994,7 +4893,7 @@
         <p:spPr>
           <a:xfrm>
             <a:off x="372862" y="310718"/>
-            <a:ext cx="1965538" cy="369332"/>
+            <a:ext cx="2422458" cy="369332"/>
           </a:xfrm>
           <a:prstGeom prst="rect">
             <a:avLst/>
@@ -5009,17 +4908,17 @@
           <a:p>
             <a:r>
               <a:rPr lang="en-US" dirty="0"/>
-              <a:t>Name=Pro-Twin Lt </a:t>
-            </a:r>
-          </a:p>
-        </p:txBody>
-      </p:sp>
-      <p:sp>
-        <p:nvSpPr>
-          <p:cNvPr id="13" name="Rectangle 12">
-            <a:extLst>
-              <a:ext uri="{FF2B5EF4-FFF2-40B4-BE49-F238E27FC236}">
-                <a16:creationId xmlns:a16="http://schemas.microsoft.com/office/drawing/2014/main" id="{E358240A-882C-4F4E-B8FE-57928E034093}"/>
+              <a:t>Name=Pro Wing-Split Lt</a:t>
+            </a:r>
+          </a:p>
+        </p:txBody>
+      </p:sp>
+      <p:sp>
+        <p:nvSpPr>
+          <p:cNvPr id="12" name="Rectangle 11">
+            <a:extLst>
+              <a:ext uri="{FF2B5EF4-FFF2-40B4-BE49-F238E27FC236}">
+                <a16:creationId xmlns:a16="http://schemas.microsoft.com/office/drawing/2014/main" id="{CF2629CD-2C35-49EC-B56D-ADA687EBCA7F}"/>
               </a:ext>
             </a:extLst>
           </p:cNvPr>
@@ -5067,10 +4966,10 @@
       </p:sp>
       <p:sp>
         <p:nvSpPr>
-          <p:cNvPr id="15" name="Oval 14">
-            <a:extLst>
-              <a:ext uri="{FF2B5EF4-FFF2-40B4-BE49-F238E27FC236}">
-                <a16:creationId xmlns:a16="http://schemas.microsoft.com/office/drawing/2014/main" id="{9A64FA61-E12E-45E6-AB18-629E34763121}"/>
+          <p:cNvPr id="13" name="Oval 12">
+            <a:extLst>
+              <a:ext uri="{FF2B5EF4-FFF2-40B4-BE49-F238E27FC236}">
+                <a16:creationId xmlns:a16="http://schemas.microsoft.com/office/drawing/2014/main" id="{7184409B-13FB-42D1-854D-A99E52953532}"/>
               </a:ext>
             </a:extLst>
           </p:cNvPr>
@@ -5118,10 +5017,10 @@
       </p:sp>
       <p:sp>
         <p:nvSpPr>
-          <p:cNvPr id="16" name="Oval 15">
-            <a:extLst>
-              <a:ext uri="{FF2B5EF4-FFF2-40B4-BE49-F238E27FC236}">
-                <a16:creationId xmlns:a16="http://schemas.microsoft.com/office/drawing/2014/main" id="{C182DED0-7A19-4906-851D-9BC31BAB2B14}"/>
+          <p:cNvPr id="15" name="Oval 14">
+            <a:extLst>
+              <a:ext uri="{FF2B5EF4-FFF2-40B4-BE49-F238E27FC236}">
+                <a16:creationId xmlns:a16="http://schemas.microsoft.com/office/drawing/2014/main" id="{251D9CA2-698B-4207-A8F8-24013543790A}"/>
               </a:ext>
             </a:extLst>
           </p:cNvPr>
@@ -5169,10 +5068,10 @@
       </p:sp>
       <p:sp>
         <p:nvSpPr>
-          <p:cNvPr id="17" name="Oval 16">
-            <a:extLst>
-              <a:ext uri="{FF2B5EF4-FFF2-40B4-BE49-F238E27FC236}">
-                <a16:creationId xmlns:a16="http://schemas.microsoft.com/office/drawing/2014/main" id="{48D98E29-5CE6-4F12-8DEB-9932A839F204}"/>
+          <p:cNvPr id="16" name="Oval 15">
+            <a:extLst>
+              <a:ext uri="{FF2B5EF4-FFF2-40B4-BE49-F238E27FC236}">
+                <a16:creationId xmlns:a16="http://schemas.microsoft.com/office/drawing/2014/main" id="{F84480B9-996B-4F96-9B1F-AF270B656124}"/>
               </a:ext>
             </a:extLst>
           </p:cNvPr>
@@ -5220,10 +5119,10 @@
       </p:sp>
       <p:sp>
         <p:nvSpPr>
-          <p:cNvPr id="18" name="Oval 17">
-            <a:extLst>
-              <a:ext uri="{FF2B5EF4-FFF2-40B4-BE49-F238E27FC236}">
-                <a16:creationId xmlns:a16="http://schemas.microsoft.com/office/drawing/2014/main" id="{290DC282-77A1-45C3-9A86-0F2D1404EC95}"/>
+          <p:cNvPr id="17" name="Oval 16">
+            <a:extLst>
+              <a:ext uri="{FF2B5EF4-FFF2-40B4-BE49-F238E27FC236}">
+                <a16:creationId xmlns:a16="http://schemas.microsoft.com/office/drawing/2014/main" id="{9CA7B70C-CFFB-4DE9-8016-B328F99FE2E5}"/>
               </a:ext>
             </a:extLst>
           </p:cNvPr>
@@ -5271,10 +5170,10 @@
       </p:sp>
       <p:sp>
         <p:nvSpPr>
-          <p:cNvPr id="19" name="TextBox 18">
-            <a:extLst>
-              <a:ext uri="{FF2B5EF4-FFF2-40B4-BE49-F238E27FC236}">
-                <a16:creationId xmlns:a16="http://schemas.microsoft.com/office/drawing/2014/main" id="{E404F53B-ED28-47E9-A9DC-D64CEAF301C4}"/>
+          <p:cNvPr id="18" name="TextBox 17">
+            <a:extLst>
+              <a:ext uri="{FF2B5EF4-FFF2-40B4-BE49-F238E27FC236}">
+                <a16:creationId xmlns:a16="http://schemas.microsoft.com/office/drawing/2014/main" id="{85098EEE-96E5-4479-8C05-A4F6AF1770F3}"/>
               </a:ext>
             </a:extLst>
           </p:cNvPr>
@@ -5284,7 +5183,7 @@
         <p:spPr>
           <a:xfrm>
             <a:off x="3434583" y="310718"/>
-            <a:ext cx="1073435" cy="369332"/>
+            <a:ext cx="1615250" cy="369332"/>
           </a:xfrm>
           <a:prstGeom prst="rect">
             <a:avLst/>
@@ -5299,7 +5198,7 @@
           <a:p>
             <a:r>
               <a:rPr lang="en-US" dirty="0"/>
-              <a:t>Core=Y Lt</a:t>
+              <a:t>Core=Y Wing Lt</a:t>
             </a:r>
           </a:p>
         </p:txBody>
@@ -5307,7 +5206,7 @@
     </p:spTree>
     <p:extLst>
       <p:ext uri="{BB962C8B-B14F-4D97-AF65-F5344CB8AC3E}">
-        <p14:creationId xmlns:p14="http://schemas.microsoft.com/office/powerpoint/2010/main" val="3735365928"/>
+        <p14:creationId xmlns:p14="http://schemas.microsoft.com/office/powerpoint/2010/main" val="1371306499"/>
       </p:ext>
     </p:extLst>
   </p:cSld>
@@ -5380,7 +5279,7 @@
         </p:nvSpPr>
         <p:spPr>
           <a:xfrm>
-            <a:off x="1467231" y="5481417"/>
+            <a:off x="1230623" y="5437046"/>
             <a:ext cx="265265" cy="220540"/>
           </a:xfrm>
           <a:prstGeom prst="ellipse">
@@ -5415,10 +5314,10 @@
       </p:sp>
       <p:sp>
         <p:nvSpPr>
-          <p:cNvPr id="24" name="Oval 23">
-            <a:extLst>
-              <a:ext uri="{FF2B5EF4-FFF2-40B4-BE49-F238E27FC236}">
-                <a16:creationId xmlns:a16="http://schemas.microsoft.com/office/drawing/2014/main" id="{B889BA8C-0E26-4F3F-8CF7-B18F6ADC2A52}"/>
+          <p:cNvPr id="23" name="Oval 22">
+            <a:extLst>
+              <a:ext uri="{FF2B5EF4-FFF2-40B4-BE49-F238E27FC236}">
+                <a16:creationId xmlns:a16="http://schemas.microsoft.com/office/drawing/2014/main" id="{3589AA6A-9363-405E-97E8-AD5C226A53D2}"/>
               </a:ext>
             </a:extLst>
           </p:cNvPr>
@@ -5429,7 +5328,7 @@
         </p:nvSpPr>
         <p:spPr>
           <a:xfrm>
-            <a:off x="5899881" y="5701957"/>
+            <a:off x="2521345" y="5666016"/>
             <a:ext cx="265265" cy="220540"/>
           </a:xfrm>
           <a:prstGeom prst="ellipse">
@@ -5457,17 +5356,17 @@
             <a:pPr algn="ctr"/>
             <a:r>
               <a:rPr lang="en-US" dirty="0"/>
-              <a:t>Z</a:t>
-            </a:r>
-          </a:p>
-        </p:txBody>
-      </p:sp>
-      <p:sp>
-        <p:nvSpPr>
-          <p:cNvPr id="25" name="Oval 24">
-            <a:extLst>
-              <a:ext uri="{FF2B5EF4-FFF2-40B4-BE49-F238E27FC236}">
-                <a16:creationId xmlns:a16="http://schemas.microsoft.com/office/drawing/2014/main" id="{723C6B51-625E-462A-BBB1-3FC3B29BB96E}"/>
+              <a:t>B</a:t>
+            </a:r>
+          </a:p>
+        </p:txBody>
+      </p:sp>
+      <p:sp>
+        <p:nvSpPr>
+          <p:cNvPr id="24" name="Oval 23">
+            <a:extLst>
+              <a:ext uri="{FF2B5EF4-FFF2-40B4-BE49-F238E27FC236}">
+                <a16:creationId xmlns:a16="http://schemas.microsoft.com/office/drawing/2014/main" id="{B889BA8C-0E26-4F3F-8CF7-B18F6ADC2A52}"/>
               </a:ext>
             </a:extLst>
           </p:cNvPr>
@@ -5478,7 +5377,7 @@
         </p:nvSpPr>
         <p:spPr>
           <a:xfrm>
-            <a:off x="5543816" y="5464538"/>
+            <a:off x="7775802" y="5467068"/>
             <a:ext cx="265265" cy="220540"/>
           </a:xfrm>
           <a:prstGeom prst="ellipse">
@@ -5506,6 +5405,55 @@
             <a:pPr algn="ctr"/>
             <a:r>
               <a:rPr lang="en-US" dirty="0"/>
+              <a:t>Z</a:t>
+            </a:r>
+          </a:p>
+        </p:txBody>
+      </p:sp>
+      <p:sp>
+        <p:nvSpPr>
+          <p:cNvPr id="25" name="Oval 24">
+            <a:extLst>
+              <a:ext uri="{FF2B5EF4-FFF2-40B4-BE49-F238E27FC236}">
+                <a16:creationId xmlns:a16="http://schemas.microsoft.com/office/drawing/2014/main" id="{723C6B51-625E-462A-BBB1-3FC3B29BB96E}"/>
+              </a:ext>
+            </a:extLst>
+          </p:cNvPr>
+          <p:cNvSpPr>
+            <a:spLocks noChangeAspect="1"/>
+          </p:cNvSpPr>
+          <p:nvPr/>
+        </p:nvSpPr>
+        <p:spPr>
+          <a:xfrm>
+            <a:off x="6461196" y="5657586"/>
+            <a:ext cx="265265" cy="220540"/>
+          </a:xfrm>
+          <a:prstGeom prst="ellipse">
+            <a:avLst/>
+          </a:prstGeom>
+        </p:spPr>
+        <p:style>
+          <a:lnRef idx="2">
+            <a:schemeClr val="dk1"/>
+          </a:lnRef>
+          <a:fillRef idx="1">
+            <a:schemeClr val="lt1"/>
+          </a:fillRef>
+          <a:effectRef idx="0">
+            <a:schemeClr val="dk1"/>
+          </a:effectRef>
+          <a:fontRef idx="minor">
+            <a:schemeClr val="dk1"/>
+          </a:fontRef>
+        </p:style>
+        <p:txBody>
+          <a:bodyPr rtlCol="0" anchor="ctr"/>
+          <a:lstStyle/>
+          <a:p>
+            <a:pPr algn="ctr"/>
+            <a:r>
+              <a:rPr lang="en-US" dirty="0"/>
               <a:t>Y</a:t>
             </a:r>
           </a:p>
@@ -5513,50 +5461,10 @@
       </p:sp>
       <p:sp>
         <p:nvSpPr>
-          <p:cNvPr id="2" name="TextBox 1">
-            <a:extLst>
-              <a:ext uri="{FF2B5EF4-FFF2-40B4-BE49-F238E27FC236}">
-                <a16:creationId xmlns:a16="http://schemas.microsoft.com/office/drawing/2014/main" id="{2724C142-E268-4034-AD0E-41DD00608D6F}"/>
-              </a:ext>
-            </a:extLst>
-          </p:cNvPr>
-          <p:cNvSpPr txBox="1"/>
-          <p:nvPr/>
-        </p:nvSpPr>
-        <p:spPr>
-          <a:xfrm>
-            <a:off x="372862" y="310718"/>
-            <a:ext cx="2454005" cy="369332"/>
-          </a:xfrm>
-          <a:prstGeom prst="rect">
-            <a:avLst/>
-          </a:prstGeom>
-          <a:noFill/>
-        </p:spPr>
-        <p:txBody>
-          <a:bodyPr wrap="none" rtlCol="0">
-            <a:spAutoFit/>
-          </a:bodyPr>
-          <a:lstStyle/>
-          <a:p>
-            <a:r>
-              <a:rPr lang="en-US" dirty="0"/>
-              <a:t>Name=Pro Wing-Split </a:t>
-            </a:r>
-            <a:r>
-              <a:rPr lang="en-US" dirty="0" err="1"/>
-              <a:t>Rt</a:t>
-            </a:r>
-            <a:endParaRPr lang="en-US" dirty="0"/>
-          </a:p>
-        </p:txBody>
-      </p:sp>
-      <p:sp>
-        <p:nvSpPr>
-          <p:cNvPr id="12" name="Rectangle 11">
-            <a:extLst>
-              <a:ext uri="{FF2B5EF4-FFF2-40B4-BE49-F238E27FC236}">
-                <a16:creationId xmlns:a16="http://schemas.microsoft.com/office/drawing/2014/main" id="{6270072A-F89E-4CD5-A8FB-AF4FE8FCC619}"/>
+          <p:cNvPr id="26" name="Rectangle 25">
+            <a:extLst>
+              <a:ext uri="{FF2B5EF4-FFF2-40B4-BE49-F238E27FC236}">
+                <a16:creationId xmlns:a16="http://schemas.microsoft.com/office/drawing/2014/main" id="{DF9AD3B9-5DF6-4174-A386-DA0894B2250B}"/>
               </a:ext>
             </a:extLst>
           </p:cNvPr>
@@ -5604,10 +5512,10 @@
       </p:sp>
       <p:sp>
         <p:nvSpPr>
-          <p:cNvPr id="13" name="Oval 12">
-            <a:extLst>
-              <a:ext uri="{FF2B5EF4-FFF2-40B4-BE49-F238E27FC236}">
-                <a16:creationId xmlns:a16="http://schemas.microsoft.com/office/drawing/2014/main" id="{8CAAE89A-45FC-4186-B441-B5705053BFCF}"/>
+          <p:cNvPr id="27" name="Oval 26">
+            <a:extLst>
+              <a:ext uri="{FF2B5EF4-FFF2-40B4-BE49-F238E27FC236}">
+                <a16:creationId xmlns:a16="http://schemas.microsoft.com/office/drawing/2014/main" id="{88D7B244-75E9-48D5-BEEA-736916B5A913}"/>
               </a:ext>
             </a:extLst>
           </p:cNvPr>
@@ -5655,10 +5563,10 @@
       </p:sp>
       <p:sp>
         <p:nvSpPr>
-          <p:cNvPr id="15" name="Oval 14">
-            <a:extLst>
-              <a:ext uri="{FF2B5EF4-FFF2-40B4-BE49-F238E27FC236}">
-                <a16:creationId xmlns:a16="http://schemas.microsoft.com/office/drawing/2014/main" id="{A7F32577-16CF-40DB-932A-DD4EE6A5736E}"/>
+          <p:cNvPr id="28" name="Oval 27">
+            <a:extLst>
+              <a:ext uri="{FF2B5EF4-FFF2-40B4-BE49-F238E27FC236}">
+                <a16:creationId xmlns:a16="http://schemas.microsoft.com/office/drawing/2014/main" id="{B81E3ECA-DF12-4BE1-946F-20ACAD68B47C}"/>
               </a:ext>
             </a:extLst>
           </p:cNvPr>
@@ -5706,10 +5614,10 @@
       </p:sp>
       <p:sp>
         <p:nvSpPr>
-          <p:cNvPr id="16" name="Oval 15">
-            <a:extLst>
-              <a:ext uri="{FF2B5EF4-FFF2-40B4-BE49-F238E27FC236}">
-                <a16:creationId xmlns:a16="http://schemas.microsoft.com/office/drawing/2014/main" id="{2DD1F747-82E5-4AF2-AAE4-51E673D0FE7D}"/>
+          <p:cNvPr id="29" name="Oval 28">
+            <a:extLst>
+              <a:ext uri="{FF2B5EF4-FFF2-40B4-BE49-F238E27FC236}">
+                <a16:creationId xmlns:a16="http://schemas.microsoft.com/office/drawing/2014/main" id="{FE23A0A3-AA64-43A5-9BE2-7F9905963D44}"/>
               </a:ext>
             </a:extLst>
           </p:cNvPr>
@@ -5757,10 +5665,10 @@
       </p:sp>
       <p:sp>
         <p:nvSpPr>
-          <p:cNvPr id="17" name="Oval 16">
-            <a:extLst>
-              <a:ext uri="{FF2B5EF4-FFF2-40B4-BE49-F238E27FC236}">
-                <a16:creationId xmlns:a16="http://schemas.microsoft.com/office/drawing/2014/main" id="{46CEC327-054C-4171-8D89-29FEF28FC086}"/>
+          <p:cNvPr id="30" name="Oval 29">
+            <a:extLst>
+              <a:ext uri="{FF2B5EF4-FFF2-40B4-BE49-F238E27FC236}">
+                <a16:creationId xmlns:a16="http://schemas.microsoft.com/office/drawing/2014/main" id="{EA69FC7C-A9CA-4873-90B6-D4F2309446D2}"/>
               </a:ext>
             </a:extLst>
           </p:cNvPr>
@@ -5808,10 +5716,10 @@
       </p:sp>
       <p:sp>
         <p:nvSpPr>
-          <p:cNvPr id="18" name="TextBox 17">
-            <a:extLst>
-              <a:ext uri="{FF2B5EF4-FFF2-40B4-BE49-F238E27FC236}">
-                <a16:creationId xmlns:a16="http://schemas.microsoft.com/office/drawing/2014/main" id="{BDC35021-3257-4B9B-9738-C8CB0AB7A737}"/>
+          <p:cNvPr id="2" name="TextBox 1">
+            <a:extLst>
+              <a:ext uri="{FF2B5EF4-FFF2-40B4-BE49-F238E27FC236}">
+                <a16:creationId xmlns:a16="http://schemas.microsoft.com/office/drawing/2014/main" id="{2724C142-E268-4034-AD0E-41DD00608D6F}"/>
               </a:ext>
             </a:extLst>
           </p:cNvPr>
@@ -5820,8 +5728,8 @@
         </p:nvSpPr>
         <p:spPr>
           <a:xfrm>
-            <a:off x="3434583" y="310718"/>
-            <a:ext cx="1646797" cy="369332"/>
+            <a:off x="372862" y="310718"/>
+            <a:ext cx="2122569" cy="369332"/>
           </a:xfrm>
           <a:prstGeom prst="rect">
             <a:avLst/>
@@ -5836,7 +5744,50 @@
           <a:p>
             <a:r>
               <a:rPr lang="en-US" dirty="0"/>
-              <a:t>Core=Y Wing </a:t>
+              <a:t>Name=Twin-Twin </a:t>
+            </a:r>
+            <a:r>
+              <a:rPr lang="en-US" dirty="0" err="1"/>
+              <a:t>Rt</a:t>
+            </a:r>
+            <a:r>
+              <a:rPr lang="en-US" dirty="0"/>
+              <a:t> </a:t>
+            </a:r>
+          </a:p>
+        </p:txBody>
+      </p:sp>
+      <p:sp>
+        <p:nvSpPr>
+          <p:cNvPr id="13" name="TextBox 12">
+            <a:extLst>
+              <a:ext uri="{FF2B5EF4-FFF2-40B4-BE49-F238E27FC236}">
+                <a16:creationId xmlns:a16="http://schemas.microsoft.com/office/drawing/2014/main" id="{944452DE-3F40-4392-90D2-562108642788}"/>
+              </a:ext>
+            </a:extLst>
+          </p:cNvPr>
+          <p:cNvSpPr txBox="1"/>
+          <p:nvPr/>
+        </p:nvSpPr>
+        <p:spPr>
+          <a:xfrm>
+            <a:off x="3434583" y="310718"/>
+            <a:ext cx="1368836" cy="369332"/>
+          </a:xfrm>
+          <a:prstGeom prst="rect">
+            <a:avLst/>
+          </a:prstGeom>
+          <a:noFill/>
+        </p:spPr>
+        <p:txBody>
+          <a:bodyPr wrap="none" rtlCol="0">
+            <a:spAutoFit/>
+          </a:bodyPr>
+          <a:lstStyle/>
+          <a:p>
+            <a:r>
+              <a:rPr lang="en-US" dirty="0"/>
+              <a:t>Core=Five </a:t>
             </a:r>
             <a:r>
               <a:rPr lang="en-US" dirty="0" err="1"/>
@@ -5849,7 +5800,7 @@
     </p:spTree>
     <p:extLst>
       <p:ext uri="{BB962C8B-B14F-4D97-AF65-F5344CB8AC3E}">
-        <p14:creationId xmlns:p14="http://schemas.microsoft.com/office/powerpoint/2010/main" val="2842979407"/>
+        <p14:creationId xmlns:p14="http://schemas.microsoft.com/office/powerpoint/2010/main" val="4194185798"/>
       </p:ext>
     </p:extLst>
   </p:cSld>
@@ -5922,7 +5873,7 @@
         </p:nvSpPr>
         <p:spPr>
           <a:xfrm>
-            <a:off x="7678148" y="5456272"/>
+            <a:off x="1230623" y="5437046"/>
             <a:ext cx="265265" cy="220540"/>
           </a:xfrm>
           <a:prstGeom prst="ellipse">
@@ -5950,17 +5901,17 @@
             <a:pPr algn="ctr"/>
             <a:r>
               <a:rPr lang="en-US" dirty="0"/>
-              <a:t>X</a:t>
-            </a:r>
-          </a:p>
-        </p:txBody>
-      </p:sp>
-      <p:sp>
-        <p:nvSpPr>
-          <p:cNvPr id="24" name="Oval 23">
-            <a:extLst>
-              <a:ext uri="{FF2B5EF4-FFF2-40B4-BE49-F238E27FC236}">
-                <a16:creationId xmlns:a16="http://schemas.microsoft.com/office/drawing/2014/main" id="{B889BA8C-0E26-4F3F-8CF7-B18F6ADC2A52}"/>
+              <a:t>Z</a:t>
+            </a:r>
+          </a:p>
+        </p:txBody>
+      </p:sp>
+      <p:sp>
+        <p:nvSpPr>
+          <p:cNvPr id="23" name="Oval 22">
+            <a:extLst>
+              <a:ext uri="{FF2B5EF4-FFF2-40B4-BE49-F238E27FC236}">
+                <a16:creationId xmlns:a16="http://schemas.microsoft.com/office/drawing/2014/main" id="{3589AA6A-9363-405E-97E8-AD5C226A53D2}"/>
               </a:ext>
             </a:extLst>
           </p:cNvPr>
@@ -5971,7 +5922,7 @@
         </p:nvSpPr>
         <p:spPr>
           <a:xfrm>
-            <a:off x="3084084" y="5753960"/>
+            <a:off x="2521345" y="5666016"/>
             <a:ext cx="265265" cy="220540"/>
           </a:xfrm>
           <a:prstGeom prst="ellipse">
@@ -5999,17 +5950,17 @@
             <a:pPr algn="ctr"/>
             <a:r>
               <a:rPr lang="en-US" dirty="0"/>
-              <a:t>Z</a:t>
-            </a:r>
-          </a:p>
-        </p:txBody>
-      </p:sp>
-      <p:sp>
-        <p:nvSpPr>
-          <p:cNvPr id="25" name="Oval 24">
-            <a:extLst>
-              <a:ext uri="{FF2B5EF4-FFF2-40B4-BE49-F238E27FC236}">
-                <a16:creationId xmlns:a16="http://schemas.microsoft.com/office/drawing/2014/main" id="{723C6B51-625E-462A-BBB1-3FC3B29BB96E}"/>
+              <a:t>Y</a:t>
+            </a:r>
+          </a:p>
+        </p:txBody>
+      </p:sp>
+      <p:sp>
+        <p:nvSpPr>
+          <p:cNvPr id="24" name="Oval 23">
+            <a:extLst>
+              <a:ext uri="{FF2B5EF4-FFF2-40B4-BE49-F238E27FC236}">
+                <a16:creationId xmlns:a16="http://schemas.microsoft.com/office/drawing/2014/main" id="{B889BA8C-0E26-4F3F-8CF7-B18F6ADC2A52}"/>
               </a:ext>
             </a:extLst>
           </p:cNvPr>
@@ -6020,7 +5971,7 @@
         </p:nvSpPr>
         <p:spPr>
           <a:xfrm>
-            <a:off x="3356403" y="5489808"/>
+            <a:off x="7775802" y="5467068"/>
             <a:ext cx="265265" cy="220540"/>
           </a:xfrm>
           <a:prstGeom prst="ellipse">
@@ -6048,7 +5999,56 @@
             <a:pPr algn="ctr"/>
             <a:r>
               <a:rPr lang="en-US" dirty="0"/>
-              <a:t>Y</a:t>
+              <a:t>X</a:t>
+            </a:r>
+          </a:p>
+        </p:txBody>
+      </p:sp>
+      <p:sp>
+        <p:nvSpPr>
+          <p:cNvPr id="25" name="Oval 24">
+            <a:extLst>
+              <a:ext uri="{FF2B5EF4-FFF2-40B4-BE49-F238E27FC236}">
+                <a16:creationId xmlns:a16="http://schemas.microsoft.com/office/drawing/2014/main" id="{723C6B51-625E-462A-BBB1-3FC3B29BB96E}"/>
+              </a:ext>
+            </a:extLst>
+          </p:cNvPr>
+          <p:cNvSpPr>
+            <a:spLocks noChangeAspect="1"/>
+          </p:cNvSpPr>
+          <p:nvPr/>
+        </p:nvSpPr>
+        <p:spPr>
+          <a:xfrm>
+            <a:off x="6461196" y="5657586"/>
+            <a:ext cx="265265" cy="220540"/>
+          </a:xfrm>
+          <a:prstGeom prst="ellipse">
+            <a:avLst/>
+          </a:prstGeom>
+        </p:spPr>
+        <p:style>
+          <a:lnRef idx="2">
+            <a:schemeClr val="dk1"/>
+          </a:lnRef>
+          <a:fillRef idx="1">
+            <a:schemeClr val="lt1"/>
+          </a:fillRef>
+          <a:effectRef idx="0">
+            <a:schemeClr val="dk1"/>
+          </a:effectRef>
+          <a:fontRef idx="minor">
+            <a:schemeClr val="dk1"/>
+          </a:fontRef>
+        </p:style>
+        <p:txBody>
+          <a:bodyPr rtlCol="0" anchor="ctr"/>
+          <a:lstStyle/>
+          <a:p>
+            <a:pPr algn="ctr"/>
+            <a:r>
+              <a:rPr lang="en-US" dirty="0"/>
+              <a:t>B</a:t>
             </a:r>
           </a:p>
         </p:txBody>
@@ -6068,7 +6068,7 @@
         <p:spPr>
           <a:xfrm>
             <a:off x="372862" y="310718"/>
-            <a:ext cx="2422458" cy="369332"/>
+            <a:ext cx="2091022" cy="369332"/>
           </a:xfrm>
           <a:prstGeom prst="rect">
             <a:avLst/>
@@ -6083,17 +6083,17 @@
           <a:p>
             <a:r>
               <a:rPr lang="en-US" dirty="0"/>
-              <a:t>Name=Pro Wing-Split Lt</a:t>
-            </a:r>
-          </a:p>
-        </p:txBody>
-      </p:sp>
-      <p:sp>
-        <p:nvSpPr>
-          <p:cNvPr id="12" name="Rectangle 11">
-            <a:extLst>
-              <a:ext uri="{FF2B5EF4-FFF2-40B4-BE49-F238E27FC236}">
-                <a16:creationId xmlns:a16="http://schemas.microsoft.com/office/drawing/2014/main" id="{CF2629CD-2C35-49EC-B56D-ADA687EBCA7F}"/>
+              <a:t>Name=Twin-Twin Lt </a:t>
+            </a:r>
+          </a:p>
+        </p:txBody>
+      </p:sp>
+      <p:sp>
+        <p:nvSpPr>
+          <p:cNvPr id="13" name="Rectangle 12">
+            <a:extLst>
+              <a:ext uri="{FF2B5EF4-FFF2-40B4-BE49-F238E27FC236}">
+                <a16:creationId xmlns:a16="http://schemas.microsoft.com/office/drawing/2014/main" id="{2E47413B-5D85-4E39-AEB1-20CA500667B8}"/>
               </a:ext>
             </a:extLst>
           </p:cNvPr>
@@ -6141,10 +6141,10 @@
       </p:sp>
       <p:sp>
         <p:nvSpPr>
-          <p:cNvPr id="13" name="Oval 12">
-            <a:extLst>
-              <a:ext uri="{FF2B5EF4-FFF2-40B4-BE49-F238E27FC236}">
-                <a16:creationId xmlns:a16="http://schemas.microsoft.com/office/drawing/2014/main" id="{7184409B-13FB-42D1-854D-A99E52953532}"/>
+          <p:cNvPr id="15" name="Oval 14">
+            <a:extLst>
+              <a:ext uri="{FF2B5EF4-FFF2-40B4-BE49-F238E27FC236}">
+                <a16:creationId xmlns:a16="http://schemas.microsoft.com/office/drawing/2014/main" id="{FC7AB492-E275-4D29-AC31-1F3834B60BC7}"/>
               </a:ext>
             </a:extLst>
           </p:cNvPr>
@@ -6192,10 +6192,10 @@
       </p:sp>
       <p:sp>
         <p:nvSpPr>
-          <p:cNvPr id="15" name="Oval 14">
-            <a:extLst>
-              <a:ext uri="{FF2B5EF4-FFF2-40B4-BE49-F238E27FC236}">
-                <a16:creationId xmlns:a16="http://schemas.microsoft.com/office/drawing/2014/main" id="{251D9CA2-698B-4207-A8F8-24013543790A}"/>
+          <p:cNvPr id="16" name="Oval 15">
+            <a:extLst>
+              <a:ext uri="{FF2B5EF4-FFF2-40B4-BE49-F238E27FC236}">
+                <a16:creationId xmlns:a16="http://schemas.microsoft.com/office/drawing/2014/main" id="{4D7CD5A6-B785-441D-B0E3-A185B55EE175}"/>
               </a:ext>
             </a:extLst>
           </p:cNvPr>
@@ -6243,10 +6243,10 @@
       </p:sp>
       <p:sp>
         <p:nvSpPr>
-          <p:cNvPr id="16" name="Oval 15">
-            <a:extLst>
-              <a:ext uri="{FF2B5EF4-FFF2-40B4-BE49-F238E27FC236}">
-                <a16:creationId xmlns:a16="http://schemas.microsoft.com/office/drawing/2014/main" id="{F84480B9-996B-4F96-9B1F-AF270B656124}"/>
+          <p:cNvPr id="17" name="Oval 16">
+            <a:extLst>
+              <a:ext uri="{FF2B5EF4-FFF2-40B4-BE49-F238E27FC236}">
+                <a16:creationId xmlns:a16="http://schemas.microsoft.com/office/drawing/2014/main" id="{C700F043-13CD-4F84-ADFD-4067ED4EA6DB}"/>
               </a:ext>
             </a:extLst>
           </p:cNvPr>
@@ -6294,10 +6294,10 @@
       </p:sp>
       <p:sp>
         <p:nvSpPr>
-          <p:cNvPr id="17" name="Oval 16">
-            <a:extLst>
-              <a:ext uri="{FF2B5EF4-FFF2-40B4-BE49-F238E27FC236}">
-                <a16:creationId xmlns:a16="http://schemas.microsoft.com/office/drawing/2014/main" id="{9CA7B70C-CFFB-4DE9-8016-B328F99FE2E5}"/>
+          <p:cNvPr id="18" name="Oval 17">
+            <a:extLst>
+              <a:ext uri="{FF2B5EF4-FFF2-40B4-BE49-F238E27FC236}">
+                <a16:creationId xmlns:a16="http://schemas.microsoft.com/office/drawing/2014/main" id="{1697DA60-F285-47DE-B72C-F5D7C9B6B982}"/>
               </a:ext>
             </a:extLst>
           </p:cNvPr>
@@ -6345,10 +6345,10 @@
       </p:sp>
       <p:sp>
         <p:nvSpPr>
-          <p:cNvPr id="18" name="TextBox 17">
-            <a:extLst>
-              <a:ext uri="{FF2B5EF4-FFF2-40B4-BE49-F238E27FC236}">
-                <a16:creationId xmlns:a16="http://schemas.microsoft.com/office/drawing/2014/main" id="{85098EEE-96E5-4479-8C05-A4F6AF1770F3}"/>
+          <p:cNvPr id="19" name="TextBox 18">
+            <a:extLst>
+              <a:ext uri="{FF2B5EF4-FFF2-40B4-BE49-F238E27FC236}">
+                <a16:creationId xmlns:a16="http://schemas.microsoft.com/office/drawing/2014/main" id="{C6AA8950-A15E-477D-81B2-4115B22ED8BB}"/>
               </a:ext>
             </a:extLst>
           </p:cNvPr>
@@ -6358,7 +6358,7 @@
         <p:spPr>
           <a:xfrm>
             <a:off x="3434583" y="310718"/>
-            <a:ext cx="1615250" cy="369332"/>
+            <a:ext cx="1337289" cy="369332"/>
           </a:xfrm>
           <a:prstGeom prst="rect">
             <a:avLst/>
@@ -6373,7 +6373,7 @@
           <a:p>
             <a:r>
               <a:rPr lang="en-US" dirty="0"/>
-              <a:t>Core=Y Wing Lt</a:t>
+              <a:t>Core=Five Lt</a:t>
             </a:r>
           </a:p>
         </p:txBody>
@@ -6381,7 +6381,7 @@
     </p:spTree>
     <p:extLst>
       <p:ext uri="{BB962C8B-B14F-4D97-AF65-F5344CB8AC3E}">
-        <p14:creationId xmlns:p14="http://schemas.microsoft.com/office/powerpoint/2010/main" val="1371306499"/>
+        <p14:creationId xmlns:p14="http://schemas.microsoft.com/office/powerpoint/2010/main" val="3026097915"/>
       </p:ext>
     </p:extLst>
   </p:cSld>
